--- a/Deep Reinforcement Learning and Ray Tracing.pptx
+++ b/Deep Reinforcement Learning and Ray Tracing.pptx
@@ -458,7 +458,7 @@
             <a:fld id="{B61BEF0D-F0BB-DE4B-95CE-6DB70DBA9567}" type="datetimeFigureOut">
               <a:rPr lang="en-US" dirty="0"/>
               <a:pPr/>
-              <a:t>10/27/2021</a:t>
+              <a:t>11/11/2021</a:t>
             </a:fld>
             <a:endParaRPr lang="en-US" dirty="0"/>
           </a:p>
@@ -779,7 +779,7 @@
             <a:fld id="{B61BEF0D-F0BB-DE4B-95CE-6DB70DBA9567}" type="datetimeFigureOut">
               <a:rPr lang="en-US" dirty="0"/>
               <a:pPr/>
-              <a:t>10/27/2021</a:t>
+              <a:t>11/11/2021</a:t>
             </a:fld>
             <a:endParaRPr lang="en-US" dirty="0"/>
           </a:p>
@@ -1024,7 +1024,7 @@
             <a:fld id="{B61BEF0D-F0BB-DE4B-95CE-6DB70DBA9567}" type="datetimeFigureOut">
               <a:rPr lang="en-US" dirty="0"/>
               <a:pPr/>
-              <a:t>10/27/2021</a:t>
+              <a:t>11/11/2021</a:t>
             </a:fld>
             <a:endParaRPr lang="en-US" dirty="0"/>
           </a:p>
@@ -1360,7 +1360,7 @@
             <a:fld id="{B61BEF0D-F0BB-DE4B-95CE-6DB70DBA9567}" type="datetimeFigureOut">
               <a:rPr lang="en-US" dirty="0"/>
               <a:pPr/>
-              <a:t>10/27/2021</a:t>
+              <a:t>11/11/2021</a:t>
             </a:fld>
             <a:endParaRPr lang="en-US" dirty="0"/>
           </a:p>
@@ -1704,7 +1704,7 @@
             <a:fld id="{B61BEF0D-F0BB-DE4B-95CE-6DB70DBA9567}" type="datetimeFigureOut">
               <a:rPr lang="en-US" dirty="0"/>
               <a:pPr/>
-              <a:t>10/27/2021</a:t>
+              <a:t>11/11/2021</a:t>
             </a:fld>
             <a:endParaRPr lang="en-US" dirty="0"/>
           </a:p>
@@ -2075,7 +2075,7 @@
             <a:fld id="{B61BEF0D-F0BB-DE4B-95CE-6DB70DBA9567}" type="datetimeFigureOut">
               <a:rPr lang="en-US" dirty="0"/>
               <a:pPr/>
-              <a:t>10/27/2021</a:t>
+              <a:t>11/11/2021</a:t>
             </a:fld>
             <a:endParaRPr lang="en-US" dirty="0"/>
           </a:p>
@@ -2542,7 +2542,7 @@
             <a:fld id="{B61BEF0D-F0BB-DE4B-95CE-6DB70DBA9567}" type="datetimeFigureOut">
               <a:rPr lang="en-US" dirty="0"/>
               <a:pPr/>
-              <a:t>10/27/2021</a:t>
+              <a:t>11/11/2021</a:t>
             </a:fld>
             <a:endParaRPr lang="en-US" dirty="0"/>
           </a:p>
@@ -2744,7 +2744,7 @@
             <a:fld id="{B61BEF0D-F0BB-DE4B-95CE-6DB70DBA9567}" type="datetimeFigureOut">
               <a:rPr lang="en-US" dirty="0"/>
               <a:pPr/>
-              <a:t>10/27/2021</a:t>
+              <a:t>11/11/2021</a:t>
             </a:fld>
             <a:endParaRPr lang="en-US" dirty="0"/>
           </a:p>
@@ -2952,7 +2952,7 @@
             <a:fld id="{B61BEF0D-F0BB-DE4B-95CE-6DB70DBA9567}" type="datetimeFigureOut">
               <a:rPr lang="en-US" dirty="0"/>
               <a:pPr/>
-              <a:t>10/27/2021</a:t>
+              <a:t>11/11/2021</a:t>
             </a:fld>
             <a:endParaRPr lang="en-US" dirty="0"/>
           </a:p>
@@ -3180,7 +3180,7 @@
           <a:p>
             <a:fld id="{52647F38-B617-4D2F-AE0A-013F0C4D2C57}" type="datetimeFigureOut">
               <a:rPr lang="en-US" dirty="0"/>
-              <a:t>10/27/2021</a:t>
+              <a:t>11/11/2021</a:t>
             </a:fld>
             <a:endParaRPr lang="en-US" dirty="0"/>
           </a:p>
@@ -3424,7 +3424,7 @@
             <a:fld id="{B61BEF0D-F0BB-DE4B-95CE-6DB70DBA9567}" type="datetimeFigureOut">
               <a:rPr lang="en-US" dirty="0"/>
               <a:pPr/>
-              <a:t>10/27/2021</a:t>
+              <a:t>11/11/2021</a:t>
             </a:fld>
             <a:endParaRPr lang="en-US" dirty="0"/>
           </a:p>
@@ -3718,7 +3718,7 @@
           <a:p>
             <a:fld id="{05BFA754-D5C3-4E66-96A6-867B257F58DC}" type="datetimeFigureOut">
               <a:rPr lang="en-US" dirty="0"/>
-              <a:t>10/27/2021</a:t>
+              <a:t>11/11/2021</a:t>
             </a:fld>
             <a:endParaRPr lang="en-US" dirty="0"/>
           </a:p>
@@ -4108,7 +4108,7 @@
             <a:fld id="{B61BEF0D-F0BB-DE4B-95CE-6DB70DBA9567}" type="datetimeFigureOut">
               <a:rPr lang="en-US" dirty="0"/>
               <a:pPr/>
-              <a:t>10/27/2021</a:t>
+              <a:t>11/11/2021</a:t>
             </a:fld>
             <a:endParaRPr lang="en-US" dirty="0"/>
           </a:p>
@@ -4254,7 +4254,7 @@
             <a:fld id="{B61BEF0D-F0BB-DE4B-95CE-6DB70DBA9567}" type="datetimeFigureOut">
               <a:rPr lang="en-US" dirty="0"/>
               <a:pPr/>
-              <a:t>10/27/2021</a:t>
+              <a:t>11/11/2021</a:t>
             </a:fld>
             <a:endParaRPr lang="en-US" dirty="0"/>
           </a:p>
@@ -4377,7 +4377,7 @@
             <a:fld id="{B61BEF0D-F0BB-DE4B-95CE-6DB70DBA9567}" type="datetimeFigureOut">
               <a:rPr lang="en-US" dirty="0"/>
               <a:pPr/>
-              <a:t>10/27/2021</a:t>
+              <a:t>11/11/2021</a:t>
             </a:fld>
             <a:endParaRPr lang="en-US" dirty="0"/>
           </a:p>
@@ -4629,7 +4629,7 @@
             <a:fld id="{B61BEF0D-F0BB-DE4B-95CE-6DB70DBA9567}" type="datetimeFigureOut">
               <a:rPr lang="en-US" dirty="0"/>
               <a:pPr/>
-              <a:t>10/27/2021</a:t>
+              <a:t>11/11/2021</a:t>
             </a:fld>
             <a:endParaRPr lang="en-US" dirty="0"/>
           </a:p>
@@ -4941,7 +4941,7 @@
             <a:fld id="{B61BEF0D-F0BB-DE4B-95CE-6DB70DBA9567}" type="datetimeFigureOut">
               <a:rPr lang="en-US" dirty="0"/>
               <a:pPr/>
-              <a:t>10/27/2021</a:t>
+              <a:t>11/11/2021</a:t>
             </a:fld>
             <a:endParaRPr lang="en-US" dirty="0"/>
           </a:p>
@@ -5289,7 +5289,7 @@
             <a:fld id="{B61BEF0D-F0BB-DE4B-95CE-6DB70DBA9567}" type="datetimeFigureOut">
               <a:rPr lang="en-US" dirty="0"/>
               <a:pPr/>
-              <a:t>10/27/2021</a:t>
+              <a:t>11/11/2021</a:t>
             </a:fld>
             <a:endParaRPr lang="en-US" dirty="0"/>
           </a:p>
@@ -8347,7 +8347,9 @@
             </p:nvSpPr>
             <p:spPr/>
             <p:txBody>
-              <a:bodyPr/>
+              <a:bodyPr>
+                <a:normAutofit/>
+              </a:bodyPr>
               <a:lstStyle/>
               <a:p>
                 <a:r>
@@ -8491,7 +8493,6 @@
                   <a:rPr lang="en-US" dirty="0" smtClean="0"/>
                   <a:t> : normal of point</a:t>
                 </a:r>
-                <a:endParaRPr lang="en-US" dirty="0" smtClean="0"/>
               </a:p>
               <a:p>
                 <a14:m>
@@ -8583,7 +8584,7 @@
                                   <a:rPr lang="en-US" b="0" i="1" smtClean="0">
                                     <a:latin typeface="Cambria Math" panose="02040503050406030204" pitchFamily="18" charset="0"/>
                                   </a:rPr>
-                                  <m:t>𝜋</m:t>
+                                  <m:t>2</m:t>
                                 </m:r>
                               </m:e>
                               <m:sup>
@@ -8595,6 +8596,12 @@
                                 </m:r>
                               </m:sup>
                             </m:sSup>
+                            <m:r>
+                              <a:rPr lang="en-US" i="1">
+                                <a:latin typeface="Cambria Math" panose="02040503050406030204" pitchFamily="18" charset="0"/>
+                              </a:rPr>
+                              <m:t>𝜋</m:t>
+                            </m:r>
                             <m:r>
                               <a:rPr lang="en-US" b="0" i="1" smtClean="0">
                                 <a:latin typeface="Cambria Math" panose="02040503050406030204" pitchFamily="18" charset="0"/>
@@ -8643,22 +8650,22 @@
                             <m:sSup>
                               <m:sSupPr>
                                 <m:ctrlPr>
-                                  <a:rPr lang="en-US" b="0" i="1" smtClean="0">
+                                  <a:rPr lang="en-US" i="1">
                                     <a:latin typeface="Cambria Math" panose="02040503050406030204" pitchFamily="18" charset="0"/>
                                   </a:rPr>
                                 </m:ctrlPr>
                               </m:sSupPr>
                               <m:e>
                                 <m:r>
-                                  <a:rPr lang="en-US" b="0" i="1" smtClean="0">
+                                  <a:rPr lang="en-US" i="1">
                                     <a:latin typeface="Cambria Math" panose="02040503050406030204" pitchFamily="18" charset="0"/>
                                   </a:rPr>
-                                  <m:t>𝜋</m:t>
+                                  <m:t>2</m:t>
                                 </m:r>
                               </m:e>
                               <m:sup>
                                 <m:r>
-                                  <a:rPr lang="en-US" b="0" i="1" smtClean="0">
+                                  <a:rPr lang="en-US" i="1">
                                     <a:latin typeface="Cambria Math" panose="02040503050406030204" pitchFamily="18" charset="0"/>
                                   </a:rPr>
                                   <m:t>0</m:t>
@@ -8666,7 +8673,13 @@
                               </m:sup>
                             </m:sSup>
                             <m:r>
-                              <a:rPr lang="en-US" b="0" i="1" smtClean="0">
+                              <a:rPr lang="en-US" i="1">
+                                <a:latin typeface="Cambria Math" panose="02040503050406030204" pitchFamily="18" charset="0"/>
+                              </a:rPr>
+                              <m:t>𝜋</m:t>
+                            </m:r>
+                            <m:r>
+                              <a:rPr lang="en-US" i="1">
                                 <a:latin typeface="Cambria Math" panose="02040503050406030204" pitchFamily="18" charset="0"/>
                               </a:rPr>
                               <m:t>𝑥</m:t>
@@ -8713,17 +8726,17 @@
                             <m:sSup>
                               <m:sSupPr>
                                 <m:ctrlPr>
-                                  <a:rPr lang="en-US" b="0" i="1" smtClean="0">
+                                  <a:rPr lang="en-US" i="1">
                                     <a:latin typeface="Cambria Math" panose="02040503050406030204" pitchFamily="18" charset="0"/>
                                   </a:rPr>
                                 </m:ctrlPr>
                               </m:sSupPr>
                               <m:e>
                                 <m:r>
-                                  <a:rPr lang="en-US" b="0" i="1" smtClean="0">
+                                  <a:rPr lang="en-US" i="1">
                                     <a:latin typeface="Cambria Math" panose="02040503050406030204" pitchFamily="18" charset="0"/>
                                   </a:rPr>
-                                  <m:t>𝜋</m:t>
+                                  <m:t>2</m:t>
                                 </m:r>
                               </m:e>
                               <m:sup>
@@ -8742,7 +8755,13 @@
                               </m:sup>
                             </m:sSup>
                             <m:r>
-                              <a:rPr lang="en-US" b="0" i="1" smtClean="0">
+                              <a:rPr lang="en-US" i="1">
+                                <a:latin typeface="Cambria Math" panose="02040503050406030204" pitchFamily="18" charset="0"/>
+                              </a:rPr>
+                              <m:t>𝜋</m:t>
+                            </m:r>
+                            <m:r>
+                              <a:rPr lang="en-US" i="1">
                                 <a:latin typeface="Cambria Math" panose="02040503050406030204" pitchFamily="18" charset="0"/>
                               </a:rPr>
                               <m:t>𝑥</m:t>
@@ -8789,17 +8808,17 @@
                             <m:sSup>
                               <m:sSupPr>
                                 <m:ctrlPr>
-                                  <a:rPr lang="en-US" b="0" i="1" smtClean="0">
+                                  <a:rPr lang="en-US" i="1">
                                     <a:latin typeface="Cambria Math" panose="02040503050406030204" pitchFamily="18" charset="0"/>
                                   </a:rPr>
                                 </m:ctrlPr>
                               </m:sSupPr>
                               <m:e>
                                 <m:r>
-                                  <a:rPr lang="en-US" b="0" i="1" smtClean="0">
+                                  <a:rPr lang="en-US" i="1">
                                     <a:latin typeface="Cambria Math" panose="02040503050406030204" pitchFamily="18" charset="0"/>
                                   </a:rPr>
-                                  <m:t>𝜋</m:t>
+                                  <m:t>2</m:t>
                                 </m:r>
                               </m:e>
                               <m:sup>
@@ -8818,7 +8837,13 @@
                               </m:sup>
                             </m:sSup>
                             <m:r>
-                              <a:rPr lang="en-US" b="0" i="1" smtClean="0">
+                              <a:rPr lang="en-US" i="1">
+                                <a:latin typeface="Cambria Math" panose="02040503050406030204" pitchFamily="18" charset="0"/>
+                              </a:rPr>
+                              <m:t>𝜋</m:t>
+                            </m:r>
+                            <m:r>
+                              <a:rPr lang="en-US" i="1">
                                 <a:latin typeface="Cambria Math" panose="02040503050406030204" pitchFamily="18" charset="0"/>
                               </a:rPr>
                               <m:t>𝑥</m:t>
@@ -9280,7 +9305,6 @@
               <a:rPr lang="en-US" dirty="0"/>
               <a:t>Scene 1: Uniform – DQN – DQN-POS</a:t>
             </a:r>
-            <a:endParaRPr lang="en-US" dirty="0"/>
           </a:p>
         </p:txBody>
       </p:sp>
